--- a/Proyecto SS-.pptx
+++ b/Proyecto SS-.pptx
@@ -13800,19 +13800,17 @@
       </p:grpSpPr>
       <p:pic>
         <p:nvPicPr>
-          <p:cNvPr id="5" name="Marcador de contenido 4" descr="Texto&#10;&#10;Descripción generada automáticamente">
+          <p:cNvPr id="9" name="Imagen 8" descr="Texto&#10;&#10;Descripción generada automáticamente">
             <a:extLst>
               <a:ext uri="{FF2B5EF4-FFF2-40B4-BE49-F238E27FC236}">
-                <a16:creationId xmlns:a16="http://schemas.microsoft.com/office/drawing/2014/main" id="{3721687F-3DF6-4D41-AC17-DF4885454519}"/>
+                <a16:creationId xmlns:a16="http://schemas.microsoft.com/office/drawing/2014/main" id="{297800FA-A376-4393-8F63-7A5F6680235D}"/>
               </a:ext>
             </a:extLst>
           </p:cNvPr>
           <p:cNvPicPr>
-            <a:picLocks noGrp="1" noChangeAspect="1"/>
+            <a:picLocks noChangeAspect="1"/>
           </p:cNvPicPr>
-          <p:nvPr>
-            <p:ph idx="1"/>
-          </p:nvPr>
+          <p:nvPr/>
         </p:nvPicPr>
         <p:blipFill>
           <a:blip r:embed="rId2">
@@ -13829,8 +13827,11 @@
         <p:spPr>
           <a:xfrm>
             <a:off x="0" y="0"/>
-            <a:ext cx="13449534" cy="6858000"/>
+            <a:ext cx="13219842" cy="6786694"/>
           </a:xfrm>
+          <a:prstGeom prst="rect">
+            <a:avLst/>
+          </a:prstGeom>
         </p:spPr>
       </p:pic>
       <p:sp>
@@ -14727,10 +14728,10 @@
       </p:grpSpPr>
       <p:pic>
         <p:nvPicPr>
-          <p:cNvPr id="7" name="Imagen 6" descr="Interfaz de usuario gráfica, Texto, Aplicación, Correo electrónico&#10;&#10;Descripción generada automáticamente">
+          <p:cNvPr id="3" name="Imagen 2" descr="Interfaz de usuario gráfica, Aplicación&#10;&#10;Descripción generada automáticamente">
             <a:extLst>
               <a:ext uri="{FF2B5EF4-FFF2-40B4-BE49-F238E27FC236}">
-                <a16:creationId xmlns:a16="http://schemas.microsoft.com/office/drawing/2014/main" id="{27601338-1F97-41B7-8676-237FE7673EC8}"/>
+                <a16:creationId xmlns:a16="http://schemas.microsoft.com/office/drawing/2014/main" id="{C37BB7FA-2D58-4165-A782-B5D7D5954343}"/>
               </a:ext>
             </a:extLst>
           </p:cNvPr>
@@ -14754,7 +14755,7 @@
         <p:spPr>
           <a:xfrm>
             <a:off x="0" y="0"/>
-            <a:ext cx="12192000" cy="6210300"/>
+            <a:ext cx="12192000" cy="6213659"/>
           </a:xfrm>
           <a:prstGeom prst="rect">
             <a:avLst/>
@@ -14823,7 +14824,7 @@
         <p:spPr>
           <a:xfrm>
             <a:off x="276837" y="3624044"/>
-            <a:ext cx="4134465" cy="369332"/>
+            <a:ext cx="11895372" cy="923330"/>
           </a:xfrm>
           <a:prstGeom prst="rect">
             <a:avLst/>
@@ -14842,23 +14843,27 @@
                   <a:schemeClr val="bg1"/>
                 </a:solidFill>
               </a:rPr>
-              <a:t>En la sección </a:t>
-            </a:r>
-            <a:r>
-              <a:rPr lang="es-MX" dirty="0" err="1">
-                <a:solidFill>
-                  <a:schemeClr val="bg1"/>
-                </a:solidFill>
-              </a:rPr>
-              <a:t>Administracion</a:t>
-            </a:r>
+              <a:t>En la sección Administración/Catálogo</a:t>
+            </a:r>
+          </a:p>
+          <a:p>
             <a:r>
               <a:rPr lang="es-MX" dirty="0">
                 <a:solidFill>
                   <a:schemeClr val="bg1"/>
                 </a:solidFill>
               </a:rPr>
-              <a:t>/Catalogo </a:t>
+              <a:t>Se deberán desplegar las encuestas creadas hasta el momento, en estas se pueden activar o cancelar (Estar en línea o no).</a:t>
+            </a:r>
+          </a:p>
+          <a:p>
+            <a:r>
+              <a:rPr lang="es-MX" dirty="0">
+                <a:solidFill>
+                  <a:schemeClr val="bg1"/>
+                </a:solidFill>
+              </a:rPr>
+              <a:t> </a:t>
             </a:r>
           </a:p>
         </p:txBody>
@@ -14879,6 +14884,14 @@
 <file path=ppt/slides/slide27.xml><?xml version="1.0" encoding="utf-8"?>
 <p:sld xmlns:a="http://schemas.openxmlformats.org/drawingml/2006/main" xmlns:r="http://schemas.openxmlformats.org/officeDocument/2006/relationships" xmlns:p="http://schemas.openxmlformats.org/presentationml/2006/main">
   <p:cSld>
+    <p:bg>
+      <p:bgPr>
+        <a:solidFill>
+          <a:schemeClr val="tx1"/>
+        </a:solidFill>
+        <a:effectLst/>
+      </p:bgPr>
+    </p:bg>
     <p:spTree>
       <p:nvGrpSpPr>
         <p:cNvPr id="1" name=""/>
@@ -14893,53 +14906,174 @@
           <a:chExt cx="0" cy="0"/>
         </a:xfrm>
       </p:grpSpPr>
-      <p:sp>
-        <p:nvSpPr>
-          <p:cNvPr id="2" name="Título 1">
+      <p:pic>
+        <p:nvPicPr>
+          <p:cNvPr id="5" name="Imagen 4" descr="Interfaz de usuario gráfica, Texto, Aplicación, Correo electrónico&#10;&#10;Descripción generada automáticamente">
             <a:extLst>
               <a:ext uri="{FF2B5EF4-FFF2-40B4-BE49-F238E27FC236}">
-                <a16:creationId xmlns:a16="http://schemas.microsoft.com/office/drawing/2014/main" id="{A1A47684-B0AA-4C88-BE4A-202DC687EB36}"/>
+                <a16:creationId xmlns:a16="http://schemas.microsoft.com/office/drawing/2014/main" id="{A4C6A7C3-6B45-4DD4-9FAB-25F32AA2C293}"/>
               </a:ext>
             </a:extLst>
           </p:cNvPr>
-          <p:cNvSpPr>
-            <a:spLocks noGrp="1"/>
-          </p:cNvSpPr>
-          <p:nvPr>
-            <p:ph type="title"/>
-          </p:nvPr>
+          <p:cNvPicPr>
+            <a:picLocks noChangeAspect="1"/>
+          </p:cNvPicPr>
+          <p:nvPr/>
+        </p:nvPicPr>
+        <p:blipFill>
+          <a:blip r:embed="rId2">
+            <a:extLst>
+              <a:ext uri="{28A0092B-C50C-407E-A947-70E740481C1C}">
+                <a14:useLocalDpi xmlns:a14="http://schemas.microsoft.com/office/drawing/2010/main" val="0"/>
+              </a:ext>
+            </a:extLst>
+          </a:blip>
+          <a:stretch>
+            <a:fillRect/>
+          </a:stretch>
+        </p:blipFill>
+        <p:spPr>
+          <a:xfrm>
+            <a:off x="0" y="0"/>
+            <a:ext cx="12192000" cy="6298664"/>
+          </a:xfrm>
+          <a:prstGeom prst="rect">
+            <a:avLst/>
+          </a:prstGeom>
+        </p:spPr>
+      </p:pic>
+      <p:sp>
+        <p:nvSpPr>
+          <p:cNvPr id="6" name="Rectángulo: esquinas redondeadas 5">
+            <a:extLst>
+              <a:ext uri="{FF2B5EF4-FFF2-40B4-BE49-F238E27FC236}">
+                <a16:creationId xmlns:a16="http://schemas.microsoft.com/office/drawing/2014/main" id="{F6C7961A-CBC4-41D7-B40B-22460D97A1B5}"/>
+              </a:ext>
+            </a:extLst>
+          </p:cNvPr>
+          <p:cNvSpPr/>
+          <p:nvPr/>
         </p:nvSpPr>
-        <p:spPr/>
+        <p:spPr>
+          <a:xfrm>
+            <a:off x="369116" y="2340528"/>
+            <a:ext cx="11585196" cy="847289"/>
+          </a:xfrm>
+          <a:prstGeom prst="roundRect">
+            <a:avLst/>
+          </a:prstGeom>
+          <a:noFill/>
+        </p:spPr>
+        <p:style>
+          <a:lnRef idx="2">
+            <a:schemeClr val="accent1">
+              <a:shade val="50000"/>
+            </a:schemeClr>
+          </a:lnRef>
+          <a:fillRef idx="1">
+            <a:schemeClr val="accent1"/>
+          </a:fillRef>
+          <a:effectRef idx="0">
+            <a:schemeClr val="accent1"/>
+          </a:effectRef>
+          <a:fontRef idx="minor">
+            <a:schemeClr val="lt1"/>
+          </a:fontRef>
+        </p:style>
         <p:txBody>
-          <a:bodyPr/>
+          <a:bodyPr rtlCol="0" anchor="ctr"/>
           <a:lstStyle/>
           <a:p>
+            <a:pPr algn="ctr"/>
             <a:endParaRPr lang="es-MX"/>
           </a:p>
         </p:txBody>
       </p:sp>
       <p:sp>
         <p:nvSpPr>
-          <p:cNvPr id="3" name="Marcador de contenido 2">
+          <p:cNvPr id="7" name="CuadroTexto 6">
             <a:extLst>
               <a:ext uri="{FF2B5EF4-FFF2-40B4-BE49-F238E27FC236}">
-                <a16:creationId xmlns:a16="http://schemas.microsoft.com/office/drawing/2014/main" id="{ABD982A9-9EA3-41F5-A6EF-76CAC0123A12}"/>
+                <a16:creationId xmlns:a16="http://schemas.microsoft.com/office/drawing/2014/main" id="{04258D5B-DEB5-483A-A1BF-22D30C02A45C}"/>
               </a:ext>
             </a:extLst>
           </p:cNvPr>
-          <p:cNvSpPr>
-            <a:spLocks noGrp="1"/>
-          </p:cNvSpPr>
-          <p:nvPr>
-            <p:ph idx="1"/>
-          </p:nvPr>
+          <p:cNvSpPr txBox="1"/>
+          <p:nvPr/>
         </p:nvSpPr>
-        <p:spPr/>
+        <p:spPr>
+          <a:xfrm>
+            <a:off x="369116" y="6283246"/>
+            <a:ext cx="11392286" cy="369332"/>
+          </a:xfrm>
+          <a:prstGeom prst="rect">
+            <a:avLst/>
+          </a:prstGeom>
+          <a:noFill/>
+        </p:spPr>
         <p:txBody>
-          <a:bodyPr/>
+          <a:bodyPr wrap="none" rtlCol="0">
+            <a:spAutoFit/>
+          </a:bodyPr>
           <a:lstStyle/>
           <a:p>
-            <a:endParaRPr lang="es-MX"/>
+            <a:r>
+              <a:rPr lang="es-MX" dirty="0">
+                <a:solidFill>
+                  <a:schemeClr val="bg1"/>
+                </a:solidFill>
+              </a:rPr>
+              <a:t>Al dar clic en una encuesta, se desplegara las preguntas que corresponden a esa encuesta, también se pueden editar.</a:t>
+            </a:r>
+          </a:p>
+        </p:txBody>
+      </p:sp>
+      <p:sp>
+        <p:nvSpPr>
+          <p:cNvPr id="8" name="CuadroTexto 7">
+            <a:extLst>
+              <a:ext uri="{FF2B5EF4-FFF2-40B4-BE49-F238E27FC236}">
+                <a16:creationId xmlns:a16="http://schemas.microsoft.com/office/drawing/2014/main" id="{CE9ED579-4EB9-4A90-A506-6D26B13D5310}"/>
+              </a:ext>
+            </a:extLst>
+          </p:cNvPr>
+          <p:cNvSpPr txBox="1"/>
+          <p:nvPr/>
+        </p:nvSpPr>
+        <p:spPr>
+          <a:xfrm>
+            <a:off x="7071919" y="486561"/>
+            <a:ext cx="4976747" cy="646331"/>
+          </a:xfrm>
+          <a:prstGeom prst="rect">
+            <a:avLst/>
+          </a:prstGeom>
+          <a:noFill/>
+        </p:spPr>
+        <p:txBody>
+          <a:bodyPr wrap="none" rtlCol="0">
+            <a:spAutoFit/>
+          </a:bodyPr>
+          <a:lstStyle/>
+          <a:p>
+            <a:r>
+              <a:rPr lang="es-MX" dirty="0">
+                <a:solidFill>
+                  <a:schemeClr val="bg1"/>
+                </a:solidFill>
+              </a:rPr>
+              <a:t>Redirecciona a una ventana nueva para crear una</a:t>
+            </a:r>
+          </a:p>
+          <a:p>
+            <a:r>
+              <a:rPr lang="es-MX" dirty="0">
+                <a:solidFill>
+                  <a:schemeClr val="bg1"/>
+                </a:solidFill>
+              </a:rPr>
+              <a:t>nueva encuesta.</a:t>
+            </a:r>
           </a:p>
         </p:txBody>
       </p:sp>
@@ -14973,53 +15107,211 @@
           <a:chExt cx="0" cy="0"/>
         </a:xfrm>
       </p:grpSpPr>
-      <p:sp>
-        <p:nvSpPr>
-          <p:cNvPr id="2" name="Título 1">
+      <p:pic>
+        <p:nvPicPr>
+          <p:cNvPr id="5" name="Imagen 4" descr="Interfaz de usuario gráfica, Texto, Aplicación, Word&#10;&#10;Descripción generada automáticamente">
             <a:extLst>
               <a:ext uri="{FF2B5EF4-FFF2-40B4-BE49-F238E27FC236}">
-                <a16:creationId xmlns:a16="http://schemas.microsoft.com/office/drawing/2014/main" id="{2C58CED7-4C46-4D2C-AE70-435CAFDB84C8}"/>
+                <a16:creationId xmlns:a16="http://schemas.microsoft.com/office/drawing/2014/main" id="{BAF29DB6-D12E-401B-99D7-B991701867F9}"/>
               </a:ext>
             </a:extLst>
           </p:cNvPr>
-          <p:cNvSpPr>
-            <a:spLocks noGrp="1"/>
-          </p:cNvSpPr>
-          <p:nvPr>
-            <p:ph type="title"/>
-          </p:nvPr>
+          <p:cNvPicPr>
+            <a:picLocks noChangeAspect="1"/>
+          </p:cNvPicPr>
+          <p:nvPr/>
+        </p:nvPicPr>
+        <p:blipFill>
+          <a:blip r:embed="rId2">
+            <a:extLst>
+              <a:ext uri="{28A0092B-C50C-407E-A947-70E740481C1C}">
+                <a14:useLocalDpi xmlns:a14="http://schemas.microsoft.com/office/drawing/2010/main" val="0"/>
+              </a:ext>
+            </a:extLst>
+          </a:blip>
+          <a:stretch>
+            <a:fillRect/>
+          </a:stretch>
+        </p:blipFill>
+        <p:spPr>
+          <a:xfrm>
+            <a:off x="0" y="0"/>
+            <a:ext cx="12192000" cy="6197706"/>
+          </a:xfrm>
+          <a:prstGeom prst="rect">
+            <a:avLst/>
+          </a:prstGeom>
+        </p:spPr>
+      </p:pic>
+      <p:sp>
+        <p:nvSpPr>
+          <p:cNvPr id="6" name="CuadroTexto 5">
+            <a:extLst>
+              <a:ext uri="{FF2B5EF4-FFF2-40B4-BE49-F238E27FC236}">
+                <a16:creationId xmlns:a16="http://schemas.microsoft.com/office/drawing/2014/main" id="{4FF725C0-56F3-4E59-AB79-0A000190AC57}"/>
+              </a:ext>
+            </a:extLst>
+          </p:cNvPr>
+          <p:cNvSpPr txBox="1"/>
+          <p:nvPr/>
         </p:nvSpPr>
-        <p:spPr/>
+        <p:spPr>
+          <a:xfrm>
+            <a:off x="436227" y="1308682"/>
+            <a:ext cx="9955802" cy="369332"/>
+          </a:xfrm>
+          <a:prstGeom prst="rect">
+            <a:avLst/>
+          </a:prstGeom>
+          <a:noFill/>
+        </p:spPr>
         <p:txBody>
-          <a:bodyPr/>
+          <a:bodyPr wrap="none" rtlCol="0">
+            <a:spAutoFit/>
+          </a:bodyPr>
           <a:lstStyle/>
           <a:p>
-            <a:endParaRPr lang="es-MX" dirty="0"/>
+            <a:r>
+              <a:rPr lang="es-MX" dirty="0">
+                <a:solidFill>
+                  <a:schemeClr val="bg1"/>
+                </a:solidFill>
+              </a:rPr>
+              <a:t>Campos básicos que se verán mostrados en la ventana donde se muestra la lista de encuestas creadas</a:t>
+            </a:r>
           </a:p>
         </p:txBody>
       </p:sp>
       <p:sp>
         <p:nvSpPr>
-          <p:cNvPr id="3" name="Marcador de contenido 2">
+          <p:cNvPr id="8" name="Rectángulo: esquinas redondeadas 7">
             <a:extLst>
               <a:ext uri="{FF2B5EF4-FFF2-40B4-BE49-F238E27FC236}">
-                <a16:creationId xmlns:a16="http://schemas.microsoft.com/office/drawing/2014/main" id="{6D1EEEEB-DB59-4BF9-94DC-65BFF45D9EBA}"/>
+                <a16:creationId xmlns:a16="http://schemas.microsoft.com/office/drawing/2014/main" id="{B4937E1D-A8B7-44B3-AD58-F9AE82BA8967}"/>
               </a:ext>
             </a:extLst>
           </p:cNvPr>
-          <p:cNvSpPr>
-            <a:spLocks noGrp="1"/>
-          </p:cNvSpPr>
-          <p:nvPr>
-            <p:ph idx="1"/>
-          </p:nvPr>
+          <p:cNvSpPr/>
+          <p:nvPr/>
         </p:nvSpPr>
-        <p:spPr/>
+        <p:spPr>
+          <a:xfrm>
+            <a:off x="0" y="335560"/>
+            <a:ext cx="11459361" cy="662730"/>
+          </a:xfrm>
+          <a:prstGeom prst="roundRect">
+            <a:avLst/>
+          </a:prstGeom>
+          <a:noFill/>
+        </p:spPr>
+        <p:style>
+          <a:lnRef idx="2">
+            <a:schemeClr val="accent1">
+              <a:shade val="50000"/>
+            </a:schemeClr>
+          </a:lnRef>
+          <a:fillRef idx="1">
+            <a:schemeClr val="accent1"/>
+          </a:fillRef>
+          <a:effectRef idx="0">
+            <a:schemeClr val="accent1"/>
+          </a:effectRef>
+          <a:fontRef idx="minor">
+            <a:schemeClr val="lt1"/>
+          </a:fontRef>
+        </p:style>
         <p:txBody>
-          <a:bodyPr/>
+          <a:bodyPr rtlCol="0" anchor="ctr"/>
           <a:lstStyle/>
           <a:p>
+            <a:pPr algn="ctr"/>
             <a:endParaRPr lang="es-MX"/>
+          </a:p>
+        </p:txBody>
+      </p:sp>
+      <p:sp>
+        <p:nvSpPr>
+          <p:cNvPr id="9" name="Rectángulo: esquinas redondeadas 8">
+            <a:extLst>
+              <a:ext uri="{FF2B5EF4-FFF2-40B4-BE49-F238E27FC236}">
+                <a16:creationId xmlns:a16="http://schemas.microsoft.com/office/drawing/2014/main" id="{40EBAF26-5FE1-41A3-820E-AE3E1B0361AF}"/>
+              </a:ext>
+            </a:extLst>
+          </p:cNvPr>
+          <p:cNvSpPr/>
+          <p:nvPr/>
+        </p:nvSpPr>
+        <p:spPr>
+          <a:xfrm>
+            <a:off x="366319" y="1939255"/>
+            <a:ext cx="11459361" cy="662730"/>
+          </a:xfrm>
+          <a:prstGeom prst="roundRect">
+            <a:avLst/>
+          </a:prstGeom>
+          <a:noFill/>
+        </p:spPr>
+        <p:style>
+          <a:lnRef idx="2">
+            <a:schemeClr val="accent1">
+              <a:shade val="50000"/>
+            </a:schemeClr>
+          </a:lnRef>
+          <a:fillRef idx="1">
+            <a:schemeClr val="accent1"/>
+          </a:fillRef>
+          <a:effectRef idx="0">
+            <a:schemeClr val="accent1"/>
+          </a:effectRef>
+          <a:fontRef idx="minor">
+            <a:schemeClr val="lt1"/>
+          </a:fontRef>
+        </p:style>
+        <p:txBody>
+          <a:bodyPr rtlCol="0" anchor="ctr"/>
+          <a:lstStyle/>
+          <a:p>
+            <a:pPr algn="ctr"/>
+            <a:endParaRPr lang="es-MX"/>
+          </a:p>
+        </p:txBody>
+      </p:sp>
+      <p:sp>
+        <p:nvSpPr>
+          <p:cNvPr id="10" name="CuadroTexto 9">
+            <a:extLst>
+              <a:ext uri="{FF2B5EF4-FFF2-40B4-BE49-F238E27FC236}">
+                <a16:creationId xmlns:a16="http://schemas.microsoft.com/office/drawing/2014/main" id="{BF692138-4116-4D28-B34B-3A70B1C4EC9E}"/>
+              </a:ext>
+            </a:extLst>
+          </p:cNvPr>
+          <p:cNvSpPr txBox="1"/>
+          <p:nvPr/>
+        </p:nvSpPr>
+        <p:spPr>
+          <a:xfrm>
+            <a:off x="436227" y="2678560"/>
+            <a:ext cx="9670661" cy="369332"/>
+          </a:xfrm>
+          <a:prstGeom prst="rect">
+            <a:avLst/>
+          </a:prstGeom>
+          <a:noFill/>
+        </p:spPr>
+        <p:txBody>
+          <a:bodyPr wrap="none" rtlCol="0">
+            <a:spAutoFit/>
+          </a:bodyPr>
+          <a:lstStyle/>
+          <a:p>
+            <a:r>
+              <a:rPr lang="es-MX" dirty="0">
+                <a:solidFill>
+                  <a:schemeClr val="bg1"/>
+                </a:solidFill>
+              </a:rPr>
+              <a:t>Al hacer clic en “NUEVA PREGUNTA” se creara un apartado para redactar la nueva pregunta</a:t>
+            </a:r>
           </a:p>
         </p:txBody>
       </p:sp>
@@ -15053,53 +15345,135 @@
           <a:chExt cx="0" cy="0"/>
         </a:xfrm>
       </p:grpSpPr>
-      <p:sp>
-        <p:nvSpPr>
-          <p:cNvPr id="2" name="Título 1">
+      <p:pic>
+        <p:nvPicPr>
+          <p:cNvPr id="5" name="Imagen 4" descr="Interfaz de usuario gráfica, Texto, Aplicación, Correo electrónico&#10;&#10;Descripción generada automáticamente">
             <a:extLst>
               <a:ext uri="{FF2B5EF4-FFF2-40B4-BE49-F238E27FC236}">
-                <a16:creationId xmlns:a16="http://schemas.microsoft.com/office/drawing/2014/main" id="{2C58CED7-4C46-4D2C-AE70-435CAFDB84C8}"/>
+                <a16:creationId xmlns:a16="http://schemas.microsoft.com/office/drawing/2014/main" id="{0D162DE8-7BD9-409E-8FE6-323906B44982}"/>
               </a:ext>
             </a:extLst>
           </p:cNvPr>
-          <p:cNvSpPr>
-            <a:spLocks noGrp="1"/>
-          </p:cNvSpPr>
-          <p:nvPr>
-            <p:ph type="title"/>
-          </p:nvPr>
+          <p:cNvPicPr>
+            <a:picLocks noChangeAspect="1"/>
+          </p:cNvPicPr>
+          <p:nvPr/>
+        </p:nvPicPr>
+        <p:blipFill>
+          <a:blip r:embed="rId2">
+            <a:extLst>
+              <a:ext uri="{28A0092B-C50C-407E-A947-70E740481C1C}">
+                <a14:useLocalDpi xmlns:a14="http://schemas.microsoft.com/office/drawing/2010/main" val="0"/>
+              </a:ext>
+            </a:extLst>
+          </a:blip>
+          <a:stretch>
+            <a:fillRect/>
+          </a:stretch>
+        </p:blipFill>
+        <p:spPr>
+          <a:xfrm>
+            <a:off x="0" y="0"/>
+            <a:ext cx="12192000" cy="6210778"/>
+          </a:xfrm>
+          <a:prstGeom prst="rect">
+            <a:avLst/>
+          </a:prstGeom>
+        </p:spPr>
+      </p:pic>
+      <p:sp>
+        <p:nvSpPr>
+          <p:cNvPr id="6" name="Rectángulo: esquinas redondeadas 5">
+            <a:extLst>
+              <a:ext uri="{FF2B5EF4-FFF2-40B4-BE49-F238E27FC236}">
+                <a16:creationId xmlns:a16="http://schemas.microsoft.com/office/drawing/2014/main" id="{E5BE9353-A11D-4336-A877-E50D096146DC}"/>
+              </a:ext>
+            </a:extLst>
+          </p:cNvPr>
+          <p:cNvSpPr/>
+          <p:nvPr/>
         </p:nvSpPr>
-        <p:spPr/>
+        <p:spPr>
+          <a:xfrm>
+            <a:off x="134224" y="1887523"/>
+            <a:ext cx="11962701" cy="2617365"/>
+          </a:xfrm>
+          <a:prstGeom prst="roundRect">
+            <a:avLst/>
+          </a:prstGeom>
+          <a:noFill/>
+        </p:spPr>
+        <p:style>
+          <a:lnRef idx="2">
+            <a:schemeClr val="accent1">
+              <a:shade val="50000"/>
+            </a:schemeClr>
+          </a:lnRef>
+          <a:fillRef idx="1">
+            <a:schemeClr val="accent1"/>
+          </a:fillRef>
+          <a:effectRef idx="0">
+            <a:schemeClr val="accent1"/>
+          </a:effectRef>
+          <a:fontRef idx="minor">
+            <a:schemeClr val="lt1"/>
+          </a:fontRef>
+        </p:style>
         <p:txBody>
-          <a:bodyPr/>
+          <a:bodyPr rtlCol="0" anchor="ctr"/>
           <a:lstStyle/>
           <a:p>
-            <a:endParaRPr lang="es-MX" dirty="0"/>
+            <a:pPr algn="ctr"/>
+            <a:endParaRPr lang="es-MX"/>
           </a:p>
         </p:txBody>
       </p:sp>
       <p:sp>
         <p:nvSpPr>
-          <p:cNvPr id="3" name="Marcador de contenido 2">
+          <p:cNvPr id="7" name="CuadroTexto 6">
             <a:extLst>
               <a:ext uri="{FF2B5EF4-FFF2-40B4-BE49-F238E27FC236}">
-                <a16:creationId xmlns:a16="http://schemas.microsoft.com/office/drawing/2014/main" id="{6D1EEEEB-DB59-4BF9-94DC-65BFF45D9EBA}"/>
+                <a16:creationId xmlns:a16="http://schemas.microsoft.com/office/drawing/2014/main" id="{A1F4601B-5114-4B01-AB38-6B4BB6991ECB}"/>
               </a:ext>
             </a:extLst>
           </p:cNvPr>
-          <p:cNvSpPr>
-            <a:spLocks noGrp="1"/>
-          </p:cNvSpPr>
-          <p:nvPr>
-            <p:ph idx="1"/>
-          </p:nvPr>
+          <p:cNvSpPr txBox="1"/>
+          <p:nvPr/>
         </p:nvSpPr>
-        <p:spPr/>
+        <p:spPr>
+          <a:xfrm>
+            <a:off x="503339" y="5108895"/>
+            <a:ext cx="11210120" cy="646331"/>
+          </a:xfrm>
+          <a:prstGeom prst="rect">
+            <a:avLst/>
+          </a:prstGeom>
+          <a:noFill/>
+        </p:spPr>
         <p:txBody>
-          <a:bodyPr/>
+          <a:bodyPr wrap="none" rtlCol="0">
+            <a:spAutoFit/>
+          </a:bodyPr>
           <a:lstStyle/>
           <a:p>
-            <a:endParaRPr lang="es-MX"/>
+            <a:r>
+              <a:rPr lang="es-MX" dirty="0">
+                <a:solidFill>
+                  <a:schemeClr val="bg1"/>
+                </a:solidFill>
+              </a:rPr>
+              <a:t>Se crearan las preguntas necesarias para la encuesta, y se dará clic en el botón superior “Guardar Encuesta” para </a:t>
+            </a:r>
+          </a:p>
+          <a:p>
+            <a:r>
+              <a:rPr lang="es-MX" dirty="0">
+                <a:solidFill>
+                  <a:schemeClr val="bg1"/>
+                </a:solidFill>
+              </a:rPr>
+              <a:t>terminar la creación de la encuesta.</a:t>
+            </a:r>
           </a:p>
         </p:txBody>
       </p:sp>
